--- a/administrative/slide_presentations/.hidden/day1_agenda.pptx
+++ b/administrative/slide_presentations/.hidden/day1_agenda.pptx
@@ -9981,7 +9981,7 @@
             </a:pPr>
             <a:r>
               <a:rPr lang="en" sz="1100" dirty="0"/>
-              <a:t>lexicographical</a:t>
+              <a:t>lexicographic</a:t>
             </a:r>
             <a:endParaRPr sz="1100" dirty="0"/>
           </a:p>
@@ -9997,8 +9997,8 @@
               <a:buChar char="■"/>
             </a:pPr>
             <a:r>
-              <a:rPr lang="en" sz="1100" dirty="0" err="1"/>
-              <a:t>syntaxical</a:t>
+              <a:rPr lang="en" sz="1100" dirty="0"/>
+              <a:t>syntax</a:t>
             </a:r>
             <a:endParaRPr sz="1100" dirty="0"/>
           </a:p>
@@ -10015,7 +10015,7 @@
             </a:pPr>
             <a:r>
               <a:rPr lang="en" sz="1100" dirty="0"/>
-              <a:t>semantics</a:t>
+              <a:t>semantic</a:t>
             </a:r>
             <a:endParaRPr sz="1100" dirty="0"/>
           </a:p>
